--- a/Projet_DynamicBayesianNetwork/Version_final/Soutenance/Soutenance - Memoire M1 - UPEC.pptx
+++ b/Projet_DynamicBayesianNetwork/Version_final/Soutenance/Soutenance - Memoire M1 - UPEC.pptx
@@ -241,7 +241,7 @@
           <a:p>
             <a:fld id="{A015E1A8-F720-4CEA-A830-7B2870F7D961}" type="datetimeFigureOut">
               <a:rPr lang="fr-FR" smtClean="0"/>
-              <a:t>14/05/2025</a:t>
+              <a:t>24/05/2025</a:t>
             </a:fld>
             <a:endParaRPr lang="fr-FR"/>
           </a:p>
@@ -3223,7 +3223,7 @@
           <a:p>
             <a:fld id="{EEF26350-08B8-428B-8B44-0EC518F92047}" type="datetimeFigureOut">
               <a:rPr lang="fr-FR" smtClean="0"/>
-              <a:t>14/05/2025</a:t>
+              <a:t>24/05/2025</a:t>
             </a:fld>
             <a:endParaRPr lang="fr-FR" dirty="0"/>
           </a:p>
@@ -3421,7 +3421,7 @@
           <a:p>
             <a:fld id="{EEF26350-08B8-428B-8B44-0EC518F92047}" type="datetimeFigureOut">
               <a:rPr lang="fr-FR" smtClean="0"/>
-              <a:t>14/05/2025</a:t>
+              <a:t>24/05/2025</a:t>
             </a:fld>
             <a:endParaRPr lang="fr-FR" dirty="0"/>
           </a:p>
@@ -3629,7 +3629,7 @@
           <a:p>
             <a:fld id="{EEF26350-08B8-428B-8B44-0EC518F92047}" type="datetimeFigureOut">
               <a:rPr lang="fr-FR" smtClean="0"/>
-              <a:t>14/05/2025</a:t>
+              <a:t>24/05/2025</a:t>
             </a:fld>
             <a:endParaRPr lang="fr-FR" dirty="0"/>
           </a:p>
@@ -3827,7 +3827,7 @@
           <a:p>
             <a:fld id="{EEF26350-08B8-428B-8B44-0EC518F92047}" type="datetimeFigureOut">
               <a:rPr lang="fr-FR" smtClean="0"/>
-              <a:t>14/05/2025</a:t>
+              <a:t>24/05/2025</a:t>
             </a:fld>
             <a:endParaRPr lang="fr-FR" dirty="0"/>
           </a:p>
@@ -4102,7 +4102,7 @@
           <a:p>
             <a:fld id="{EEF26350-08B8-428B-8B44-0EC518F92047}" type="datetimeFigureOut">
               <a:rPr lang="fr-FR" smtClean="0"/>
-              <a:t>14/05/2025</a:t>
+              <a:t>24/05/2025</a:t>
             </a:fld>
             <a:endParaRPr lang="fr-FR" dirty="0"/>
           </a:p>
@@ -4367,7 +4367,7 @@
           <a:p>
             <a:fld id="{EEF26350-08B8-428B-8B44-0EC518F92047}" type="datetimeFigureOut">
               <a:rPr lang="fr-FR" smtClean="0"/>
-              <a:t>14/05/2025</a:t>
+              <a:t>24/05/2025</a:t>
             </a:fld>
             <a:endParaRPr lang="fr-FR" dirty="0"/>
           </a:p>
@@ -4779,7 +4779,7 @@
           <a:p>
             <a:fld id="{EEF26350-08B8-428B-8B44-0EC518F92047}" type="datetimeFigureOut">
               <a:rPr lang="fr-FR" smtClean="0"/>
-              <a:t>14/05/2025</a:t>
+              <a:t>24/05/2025</a:t>
             </a:fld>
             <a:endParaRPr lang="fr-FR" dirty="0"/>
           </a:p>
@@ -4920,7 +4920,7 @@
           <a:p>
             <a:fld id="{EEF26350-08B8-428B-8B44-0EC518F92047}" type="datetimeFigureOut">
               <a:rPr lang="fr-FR" smtClean="0"/>
-              <a:t>14/05/2025</a:t>
+              <a:t>24/05/2025</a:t>
             </a:fld>
             <a:endParaRPr lang="fr-FR" dirty="0"/>
           </a:p>
@@ -5033,7 +5033,7 @@
           <a:p>
             <a:fld id="{EEF26350-08B8-428B-8B44-0EC518F92047}" type="datetimeFigureOut">
               <a:rPr lang="fr-FR" smtClean="0"/>
-              <a:t>14/05/2025</a:t>
+              <a:t>24/05/2025</a:t>
             </a:fld>
             <a:endParaRPr lang="fr-FR" dirty="0"/>
           </a:p>
@@ -5344,7 +5344,7 @@
           <a:p>
             <a:fld id="{EEF26350-08B8-428B-8B44-0EC518F92047}" type="datetimeFigureOut">
               <a:rPr lang="fr-FR" smtClean="0"/>
-              <a:t>14/05/2025</a:t>
+              <a:t>24/05/2025</a:t>
             </a:fld>
             <a:endParaRPr lang="fr-FR" dirty="0"/>
           </a:p>
@@ -5632,7 +5632,7 @@
           <a:p>
             <a:fld id="{EEF26350-08B8-428B-8B44-0EC518F92047}" type="datetimeFigureOut">
               <a:rPr lang="fr-FR" smtClean="0"/>
-              <a:t>14/05/2025</a:t>
+              <a:t>24/05/2025</a:t>
             </a:fld>
             <a:endParaRPr lang="fr-FR" dirty="0"/>
           </a:p>
@@ -5873,7 +5873,7 @@
           <a:p>
             <a:fld id="{EEF26350-08B8-428B-8B44-0EC518F92047}" type="datetimeFigureOut">
               <a:rPr lang="fr-FR" smtClean="0"/>
-              <a:t>14/05/2025</a:t>
+              <a:t>24/05/2025</a:t>
             </a:fld>
             <a:endParaRPr lang="fr-FR" dirty="0"/>
           </a:p>
@@ -33928,7 +33928,7 @@
                 <a:latin typeface="Times New Roman" panose="02020603050405020304" pitchFamily="18" charset="0"/>
                 <a:cs typeface="Times New Roman" panose="02020603050405020304" pitchFamily="18" charset="0"/>
               </a:rPr>
-              <a:t>Un Réseau Bayésien Dynamique est un modèle statistique représenté sous la forme d’un graphe acyclique orienté qui permet de représenter l’évolution des variables aléatoire en fonction</a:t>
+              <a:t>Un Réseau Bayésien Dynamique est un modèle statistique représenté sous la forme d’un graphe acyclique orienté qui permet de représenter l’évolution des variables aléatoires.</a:t>
             </a:r>
           </a:p>
         </p:txBody>
